--- a/Módulo II/2022/RegresiOn-Lineal-Simple.pptx
+++ b/Módulo II/2022/RegresiOn-Lineal-Simple.pptx
@@ -14705,7 +14705,16 @@
             </a:pPr>
             <a:r>
               <a:rPr/>
-              <a:t>El valor de R-squared es subjetivo dependiendo del tope o techo o criterio que le de el investigador a la representaividad de x con respecto a y en el modelo de regresión lineal.</a:t>
+              <a:t>El valor de R-squared es subjetivo dependiendo del tope o techo o criterio que le de el investigador a la representatividad de x con respecto a y en el modelo de regresión lineal.</a:t>
+            </a:r>
+          </a:p>
+          <a:p>
+            <a:pPr lvl="0" marL="0" indent="0">
+              <a:buNone/>
+            </a:pPr>
+            <a:r>
+              <a:rPr/>
+              <a:t>Significa que tanto explica la variable independiente x a la variable dependiente y</a:t>
             </a:r>
           </a:p>
           <a:p>
